--- a/Kubernetes.pptx
+++ b/Kubernetes.pptx
@@ -5,7 +5,7 @@
     <p:sldMasterId id="2147483648" r:id="rId1"/>
   </p:sldMasterIdLst>
   <p:notesMasterIdLst>
-    <p:notesMasterId r:id="rId21"/>
+    <p:notesMasterId r:id="rId22"/>
   </p:notesMasterIdLst>
   <p:sldIdLst>
     <p:sldId id="265" r:id="rId2"/>
@@ -26,7 +26,8 @@
     <p:sldId id="272" r:id="rId17"/>
     <p:sldId id="273" r:id="rId18"/>
     <p:sldId id="276" r:id="rId19"/>
-    <p:sldId id="275" r:id="rId20"/>
+    <p:sldId id="279" r:id="rId20"/>
+    <p:sldId id="275" r:id="rId21"/>
   </p:sldIdLst>
   <p:sldSz cx="12192000" cy="6858000"/>
   <p:notesSz cx="6858000" cy="9144000"/>
@@ -127,7 +128,7 @@
   </p:defaultTextStyle>
   <p:extLst>
     <p:ext uri="{EFAFB233-063F-42B5-8137-9DF3F51BA10A}">
-      <p15:sldGuideLst xmlns:p15="http://schemas.microsoft.com/office/powerpoint/2012/main"/>
+      <p15:sldGuideLst xmlns:p15="http://schemas.microsoft.com/office/powerpoint/2012/main" xmlns=""/>
     </p:ext>
   </p:extLst>
 </p:presentation>
@@ -215,7 +216,7 @@
           <a:p>
             <a:fld id="{EAD36870-4DE6-BA41-B44D-C5F5ACCB6812}" type="datetimeFigureOut">
               <a:rPr lang="en-US" smtClean="0"/>
-              <a:t>2/1/18</a:t>
+              <a:t>28/03/18</a:t>
             </a:fld>
             <a:endParaRPr lang="en-US"/>
           </a:p>
@@ -953,7 +954,7 @@
           <a:p>
             <a:fld id="{414AF996-2D48-9849-ADD9-81794694F53C}" type="datetimeFigureOut">
               <a:rPr lang="en-US" smtClean="0"/>
-              <a:t>2/1/18</a:t>
+              <a:t>28/03/18</a:t>
             </a:fld>
             <a:endParaRPr lang="en-US"/>
           </a:p>
@@ -1157,7 +1158,7 @@
           <a:p>
             <a:fld id="{414AF996-2D48-9849-ADD9-81794694F53C}" type="datetimeFigureOut">
               <a:rPr lang="en-US" smtClean="0"/>
-              <a:t>2/1/18</a:t>
+              <a:t>28/03/18</a:t>
             </a:fld>
             <a:endParaRPr lang="en-US"/>
           </a:p>
@@ -1584,7 +1585,7 @@
           <a:p>
             <a:fld id="{414AF996-2D48-9849-ADD9-81794694F53C}" type="datetimeFigureOut">
               <a:rPr lang="en-US" smtClean="0"/>
-              <a:t>2/1/18</a:t>
+              <a:t>28/03/18</a:t>
             </a:fld>
             <a:endParaRPr lang="en-US"/>
           </a:p>
@@ -1840,7 +1841,7 @@
           <a:p>
             <a:fld id="{414AF996-2D48-9849-ADD9-81794694F53C}" type="datetimeFigureOut">
               <a:rPr lang="en-US" smtClean="0"/>
-              <a:t>2/1/18</a:t>
+              <a:t>28/03/18</a:t>
             </a:fld>
             <a:endParaRPr lang="en-US"/>
           </a:p>
@@ -2231,7 +2232,7 @@
           <a:p>
             <a:fld id="{414AF996-2D48-9849-ADD9-81794694F53C}" type="datetimeFigureOut">
               <a:rPr lang="en-US" smtClean="0"/>
-              <a:t>2/1/18</a:t>
+              <a:t>28/03/18</a:t>
             </a:fld>
             <a:endParaRPr lang="en-US"/>
           </a:p>
@@ -2373,7 +2374,7 @@
           <a:p>
             <a:fld id="{414AF996-2D48-9849-ADD9-81794694F53C}" type="datetimeFigureOut">
               <a:rPr lang="en-US" smtClean="0"/>
-              <a:t>2/1/18</a:t>
+              <a:t>28/03/18</a:t>
             </a:fld>
             <a:endParaRPr lang="en-US"/>
           </a:p>
@@ -2492,7 +2493,7 @@
           <a:p>
             <a:fld id="{414AF996-2D48-9849-ADD9-81794694F53C}" type="datetimeFigureOut">
               <a:rPr lang="en-US" smtClean="0"/>
-              <a:t>2/1/18</a:t>
+              <a:t>28/03/18</a:t>
             </a:fld>
             <a:endParaRPr lang="en-US"/>
           </a:p>
@@ -2793,7 +2794,7 @@
           <a:p>
             <a:fld id="{414AF996-2D48-9849-ADD9-81794694F53C}" type="datetimeFigureOut">
               <a:rPr lang="en-US" smtClean="0"/>
-              <a:t>2/1/18</a:t>
+              <a:t>28/03/18</a:t>
             </a:fld>
             <a:endParaRPr lang="en-US"/>
           </a:p>
@@ -3070,7 +3071,7 @@
           <a:p>
             <a:fld id="{414AF996-2D48-9849-ADD9-81794694F53C}" type="datetimeFigureOut">
               <a:rPr lang="en-US" smtClean="0"/>
-              <a:t>2/1/18</a:t>
+              <a:t>28/03/18</a:t>
             </a:fld>
             <a:endParaRPr lang="en-US"/>
           </a:p>
@@ -3716,7 +3717,7 @@
   <p:timing>
     <p:tnLst>
       <p:par>
-        <p:cTn id="1" dur="indefinite" restart="never" nodeType="tmRoot"/>
+        <p:cTn xmlns:p14="http://schemas.microsoft.com/office/powerpoint/2010/main" id="1" dur="indefinite" restart="never" nodeType="tmRoot"/>
       </p:par>
     </p:tnLst>
   </p:timing>
@@ -3822,7 +3823,7 @@
   <p:timing>
     <p:tnLst>
       <p:par>
-        <p:cTn id="1" dur="indefinite" restart="never" nodeType="tmRoot"/>
+        <p:cTn xmlns:p14="http://schemas.microsoft.com/office/powerpoint/2010/main" id="1" dur="indefinite" restart="never" nodeType="tmRoot"/>
       </p:par>
     </p:tnLst>
   </p:timing>
@@ -4135,7 +4136,7 @@
   <p:timing>
     <p:tnLst>
       <p:par>
-        <p:cTn id="1" dur="indefinite" restart="never" nodeType="tmRoot"/>
+        <p:cTn xmlns:p14="http://schemas.microsoft.com/office/powerpoint/2010/main" id="1" dur="indefinite" restart="never" nodeType="tmRoot"/>
       </p:par>
     </p:tnLst>
   </p:timing>
@@ -4268,7 +4269,7 @@
   <p:timing>
     <p:tnLst>
       <p:par>
-        <p:cTn id="1" dur="indefinite" restart="never" nodeType="tmRoot"/>
+        <p:cTn xmlns:p14="http://schemas.microsoft.com/office/powerpoint/2010/main" id="1" dur="indefinite" restart="never" nodeType="tmRoot"/>
       </p:par>
     </p:tnLst>
   </p:timing>
@@ -5796,7 +5797,7 @@
   <p:timing>
     <p:tnLst>
       <p:par>
-        <p:cTn id="1" dur="indefinite" restart="never" nodeType="tmRoot"/>
+        <p:cTn xmlns:p14="http://schemas.microsoft.com/office/powerpoint/2010/main" id="1" dur="indefinite" restart="never" nodeType="tmRoot"/>
       </p:par>
     </p:tnLst>
   </p:timing>
@@ -5968,7 +5969,7 @@
   <p:timing>
     <p:tnLst>
       <p:par>
-        <p:cTn id="1" dur="indefinite" restart="never" nodeType="tmRoot"/>
+        <p:cTn xmlns:p14="http://schemas.microsoft.com/office/powerpoint/2010/main" id="1" dur="indefinite" restart="never" nodeType="tmRoot"/>
       </p:par>
     </p:tnLst>
   </p:timing>
@@ -6034,7 +6035,7 @@
         </p:nvGraphicFramePr>
         <p:xfrm>
           <a:off x="952182" y="1052251"/>
-          <a:ext cx="10278320" cy="5369410"/>
+          <a:ext cx="10278320" cy="5369409"/>
         </p:xfrm>
         <a:graphic>
           <a:graphicData uri="http://schemas.openxmlformats.org/drawingml/2006/table">
@@ -6764,7 +6765,7 @@
   <p:timing>
     <p:tnLst>
       <p:par>
-        <p:cTn id="1" dur="indefinite" restart="never" nodeType="tmRoot"/>
+        <p:cTn xmlns:p14="http://schemas.microsoft.com/office/powerpoint/2010/main" id="1" dur="indefinite" restart="never" nodeType="tmRoot"/>
       </p:par>
     </p:tnLst>
   </p:timing>
@@ -7251,7 +7252,7 @@
                   <a:schemeClr val="tx1"/>
                 </a:solidFill>
               </a:rPr>
-              <a:t>Monitoring(Kemi)</a:t>
+              <a:t>Monitoring</a:t>
             </a:r>
             <a:endParaRPr lang="en-US" dirty="0">
               <a:solidFill>
@@ -7343,12 +7344,28 @@
           <a:p>
             <a:pPr algn="ctr"/>
             <a:r>
-              <a:rPr lang="en-US" smtClean="0">
+              <a:rPr lang="en-US" dirty="0" err="1" smtClean="0">
                 <a:solidFill>
                   <a:schemeClr val="tx1"/>
                 </a:solidFill>
               </a:rPr>
-              <a:t>DKOS UI</a:t>
+              <a:t>Mesos</a:t>
+            </a:r>
+            <a:r>
+              <a:rPr lang="en-US" dirty="0" smtClean="0">
+                <a:solidFill>
+                  <a:schemeClr val="tx1"/>
+                </a:solidFill>
+              </a:rPr>
+              <a:t> </a:t>
+            </a:r>
+            <a:r>
+              <a:rPr lang="en-US" dirty="0" smtClean="0">
+                <a:solidFill>
+                  <a:schemeClr val="tx1"/>
+                </a:solidFill>
+              </a:rPr>
+              <a:t>UI</a:t>
             </a:r>
             <a:endParaRPr lang="en-US" dirty="0">
               <a:solidFill>
@@ -7407,30 +7424,6 @@
                 </a:solidFill>
               </a:rPr>
               <a:t>Openstack</a:t>
-            </a:r>
-            <a:r>
-              <a:rPr lang="en-US" dirty="0" smtClean="0">
-                <a:solidFill>
-                  <a:schemeClr val="tx1"/>
-                </a:solidFill>
-              </a:rPr>
-              <a:t>(</a:t>
-            </a:r>
-            <a:r>
-              <a:rPr lang="en-US" dirty="0" err="1" smtClean="0">
-                <a:solidFill>
-                  <a:schemeClr val="tx1"/>
-                </a:solidFill>
-              </a:rPr>
-              <a:t>Krane</a:t>
-            </a:r>
-            <a:r>
-              <a:rPr lang="en-US" dirty="0" smtClean="0">
-                <a:solidFill>
-                  <a:schemeClr val="tx1"/>
-                </a:solidFill>
-              </a:rPr>
-              <a:t>)</a:t>
             </a:r>
             <a:endParaRPr lang="en-US" dirty="0">
               <a:solidFill>
@@ -8866,7 +8859,7 @@
   <p:timing>
     <p:tnLst>
       <p:par>
-        <p:cTn id="1" dur="indefinite" restart="never" nodeType="tmRoot"/>
+        <p:cTn xmlns:p14="http://schemas.microsoft.com/office/powerpoint/2010/main" id="1" dur="indefinite" restart="never" nodeType="tmRoot"/>
       </p:par>
     </p:tnLst>
   </p:timing>
@@ -8988,7 +8981,11 @@
             </a:pPr>
             <a:r>
               <a:rPr lang="en-US" sz="2000" b="1" dirty="0" smtClean="0"/>
-              <a:t>Monitoring management (Kemi)</a:t>
+              <a:t>Monitoring management </a:t>
+            </a:r>
+            <a:r>
+              <a:rPr lang="en-US" sz="2000" b="1" dirty="0" smtClean="0"/>
+              <a:t>(Mon)</a:t>
             </a:r>
             <a:endParaRPr lang="en-US" sz="2000" b="1" dirty="0"/>
           </a:p>
@@ -9152,7 +9149,7 @@
   <p:timing>
     <p:tnLst>
       <p:par>
-        <p:cTn id="1" dur="indefinite" restart="never" nodeType="tmRoot"/>
+        <p:cTn xmlns:p14="http://schemas.microsoft.com/office/powerpoint/2010/main" id="1" dur="indefinite" restart="never" nodeType="tmRoot"/>
       </p:par>
     </p:tnLst>
   </p:timing>
@@ -9705,7 +9702,7 @@
   <p:timing>
     <p:tnLst>
       <p:par>
-        <p:cTn id="1" dur="indefinite" restart="never" nodeType="tmRoot"/>
+        <p:cTn xmlns:p14="http://schemas.microsoft.com/office/powerpoint/2010/main" id="1" dur="indefinite" restart="never" nodeType="tmRoot"/>
       </p:par>
     </p:tnLst>
   </p:timing>
@@ -9752,46 +9749,382 @@
           <a:lstStyle/>
           <a:p>
             <a:r>
-              <a:rPr lang="en-US" sz="2400" b="1" dirty="0" smtClean="0"/>
-              <a:t>Scope &amp; Timeline</a:t>
+              <a:rPr lang="en-US" altLang="ko-KR" sz="2400" b="1" dirty="0" smtClean="0"/>
+              <a:t>Event handler</a:t>
             </a:r>
             <a:endParaRPr lang="en-US" sz="2400" b="1" dirty="0"/>
+          </a:p>
+        </p:txBody>
+      </p:sp>
+      <p:sp>
+        <p:nvSpPr>
+          <p:cNvPr id="9" name="Rectangle 8"/>
+          <p:cNvSpPr/>
+          <p:nvPr/>
+        </p:nvSpPr>
+        <p:spPr>
+          <a:xfrm>
+            <a:off x="651006" y="6197396"/>
+            <a:ext cx="8674169" cy="369332"/>
+          </a:xfrm>
+          <a:prstGeom prst="rect">
+            <a:avLst/>
+          </a:prstGeom>
+        </p:spPr>
+        <p:txBody>
+          <a:bodyPr wrap="none">
+            <a:spAutoFit/>
+          </a:bodyPr>
+          <a:lstStyle/>
+          <a:p>
+            <a:r>
+              <a:rPr lang="en-US" dirty="0"/>
+              <a:t>https://</a:t>
+            </a:r>
+            <a:r>
+              <a:rPr lang="en-US" dirty="0" err="1"/>
+              <a:t>kubernetes.io</a:t>
+            </a:r>
+            <a:r>
+              <a:rPr lang="en-US" dirty="0"/>
+              <a:t>/docs/tasks/configure-pod-container/attach-handler-lifecycle-event/</a:t>
+            </a:r>
+            <a:endParaRPr lang="en-US" dirty="0"/>
+          </a:p>
+        </p:txBody>
+      </p:sp>
+      <p:sp>
+        <p:nvSpPr>
+          <p:cNvPr id="13" name="Rectangle 12"/>
+          <p:cNvSpPr/>
+          <p:nvPr/>
+        </p:nvSpPr>
+        <p:spPr>
+          <a:xfrm>
+            <a:off x="2118786" y="1968955"/>
+            <a:ext cx="3472568" cy="958803"/>
+          </a:xfrm>
+          <a:prstGeom prst="rect">
+            <a:avLst/>
+          </a:prstGeom>
+          <a:solidFill>
+            <a:schemeClr val="bg1"/>
+          </a:solidFill>
+          <a:ln>
+            <a:solidFill>
+              <a:schemeClr val="tx1"/>
+            </a:solidFill>
+          </a:ln>
+          <a:effectLst>
+            <a:outerShdw blurRad="50800" dist="76200" dir="2700000" algn="tl" rotWithShape="0">
+              <a:prstClr val="black">
+                <a:alpha val="40000"/>
+              </a:prstClr>
+            </a:outerShdw>
+          </a:effectLst>
+        </p:spPr>
+        <p:style>
+          <a:lnRef idx="2">
+            <a:schemeClr val="accent1">
+              <a:shade val="50000"/>
+            </a:schemeClr>
+          </a:lnRef>
+          <a:fillRef idx="1">
+            <a:schemeClr val="accent1"/>
+          </a:fillRef>
+          <a:effectRef idx="0">
+            <a:schemeClr val="accent1"/>
+          </a:effectRef>
+          <a:fontRef idx="minor">
+            <a:schemeClr val="lt1"/>
+          </a:fontRef>
+        </p:style>
+        <p:txBody>
+          <a:bodyPr rtlCol="0" anchor="ctr"/>
+          <a:lstStyle/>
+          <a:p>
+            <a:pPr algn="ctr"/>
+            <a:r>
+              <a:rPr lang="en-US" altLang="ko-KR" dirty="0" smtClean="0">
+                <a:solidFill>
+                  <a:schemeClr val="tx1"/>
+                </a:solidFill>
+              </a:rPr>
+              <a:t>Handler</a:t>
+            </a:r>
+            <a:endParaRPr lang="en-US" dirty="0">
+              <a:solidFill>
+                <a:schemeClr val="tx1"/>
+              </a:solidFill>
+            </a:endParaRPr>
+          </a:p>
+        </p:txBody>
+      </p:sp>
+      <p:sp>
+        <p:nvSpPr>
+          <p:cNvPr id="14" name="Rectangle 13"/>
+          <p:cNvSpPr/>
+          <p:nvPr/>
+        </p:nvSpPr>
+        <p:spPr>
+          <a:xfrm>
+            <a:off x="6299632" y="1968955"/>
+            <a:ext cx="3472568" cy="958803"/>
+          </a:xfrm>
+          <a:prstGeom prst="rect">
+            <a:avLst/>
+          </a:prstGeom>
+          <a:solidFill>
+            <a:schemeClr val="bg1"/>
+          </a:solidFill>
+          <a:ln>
+            <a:solidFill>
+              <a:schemeClr val="tx1"/>
+            </a:solidFill>
+          </a:ln>
+          <a:effectLst>
+            <a:outerShdw blurRad="50800" dist="76200" dir="2700000" algn="tl" rotWithShape="0">
+              <a:prstClr val="black">
+                <a:alpha val="40000"/>
+              </a:prstClr>
+            </a:outerShdw>
+          </a:effectLst>
+        </p:spPr>
+        <p:style>
+          <a:lnRef idx="2">
+            <a:schemeClr val="accent1">
+              <a:shade val="50000"/>
+            </a:schemeClr>
+          </a:lnRef>
+          <a:fillRef idx="1">
+            <a:schemeClr val="accent1"/>
+          </a:fillRef>
+          <a:effectRef idx="0">
+            <a:schemeClr val="accent1"/>
+          </a:effectRef>
+          <a:fontRef idx="minor">
+            <a:schemeClr val="lt1"/>
+          </a:fontRef>
+        </p:style>
+        <p:txBody>
+          <a:bodyPr rtlCol="0" anchor="ctr"/>
+          <a:lstStyle/>
+          <a:p>
+            <a:pPr algn="ctr"/>
+            <a:r>
+              <a:rPr lang="en-US" altLang="ko-KR" dirty="0" smtClean="0">
+                <a:solidFill>
+                  <a:schemeClr val="tx1"/>
+                </a:solidFill>
+              </a:rPr>
+              <a:t>Container</a:t>
+            </a:r>
+          </a:p>
+          <a:p>
+            <a:pPr algn="ctr"/>
+            <a:r>
+              <a:rPr lang="en-US" dirty="0" smtClean="0">
+                <a:solidFill>
+                  <a:schemeClr val="tx1"/>
+                </a:solidFill>
+              </a:rPr>
+              <a:t>(</a:t>
+            </a:r>
+            <a:r>
+              <a:rPr lang="en-US" altLang="ko-KR" dirty="0" smtClean="0">
+                <a:solidFill>
+                  <a:schemeClr val="tx1"/>
+                </a:solidFill>
+              </a:rPr>
+              <a:t>lifecycle event)</a:t>
+            </a:r>
+            <a:endParaRPr lang="en-US" dirty="0">
+              <a:solidFill>
+                <a:schemeClr val="tx1"/>
+              </a:solidFill>
+            </a:endParaRPr>
           </a:p>
         </p:txBody>
       </p:sp>
       <p:cxnSp>
         <p:nvCxnSpPr>
-          <p:cNvPr id="4" name="Straight Arrow Connector 3"/>
-          <p:cNvCxnSpPr/>
+          <p:cNvPr id="16" name="Straight Arrow Connector 15"/>
+          <p:cNvCxnSpPr>
+            <a:stCxn id="13" idx="3"/>
+            <a:endCxn id="14" idx="1"/>
+          </p:cNvCxnSpPr>
           <p:nvPr/>
         </p:nvCxnSpPr>
         <p:spPr>
           <a:xfrm>
-            <a:off x="786810" y="1446028"/>
-            <a:ext cx="3072809" cy="0"/>
+            <a:off x="5591354" y="2448357"/>
+            <a:ext cx="708278" cy="0"/>
           </a:xfrm>
           <a:prstGeom prst="straightConnector1">
             <a:avLst/>
           </a:prstGeom>
-          <a:ln w="12700">
+          <a:ln>
             <a:solidFill>
-              <a:schemeClr val="tx1">
-                <a:lumMod val="95000"/>
-                <a:lumOff val="5000"/>
-              </a:schemeClr>
+              <a:schemeClr val="tx1"/>
             </a:solidFill>
-            <a:headEnd type="oval" w="med" len="med"/>
-            <a:tailEnd type="triangle" w="med" len="med"/>
+            <a:headEnd type="none"/>
+            <a:tailEnd type="triangle"/>
+          </a:ln>
+        </p:spPr>
+        <p:style>
+          <a:lnRef idx="2">
+            <a:schemeClr val="accent1"/>
+          </a:lnRef>
+          <a:fillRef idx="0">
+            <a:schemeClr val="accent1"/>
+          </a:fillRef>
+          <a:effectRef idx="1">
+            <a:schemeClr val="accent1"/>
+          </a:effectRef>
+          <a:fontRef idx="minor">
+            <a:schemeClr val="tx1"/>
+          </a:fontRef>
+        </p:style>
+      </p:cxnSp>
+      <p:sp>
+        <p:nvSpPr>
+          <p:cNvPr id="17" name="Oval 16"/>
+          <p:cNvSpPr/>
+          <p:nvPr/>
+        </p:nvSpPr>
+        <p:spPr>
+          <a:xfrm>
+            <a:off x="6786839" y="3254139"/>
+            <a:ext cx="1111295" cy="1041722"/>
+          </a:xfrm>
+          <a:prstGeom prst="ellipse">
+            <a:avLst/>
+          </a:prstGeom>
+          <a:ln>
+            <a:solidFill>
+              <a:srgbClr val="000000"/>
+            </a:solidFill>
           </a:ln>
         </p:spPr>
         <p:style>
           <a:lnRef idx="1">
             <a:schemeClr val="accent1"/>
           </a:lnRef>
+          <a:fillRef idx="2">
+            <a:schemeClr val="accent1"/>
+          </a:fillRef>
+          <a:effectRef idx="1">
+            <a:schemeClr val="accent1"/>
+          </a:effectRef>
+          <a:fontRef idx="minor">
+            <a:schemeClr val="dk1"/>
+          </a:fontRef>
+        </p:style>
+        <p:txBody>
+          <a:bodyPr rtlCol="0" anchor="ctr"/>
+          <a:lstStyle/>
+          <a:p>
+            <a:pPr algn="ctr"/>
+            <a:r>
+              <a:rPr lang="en-US" altLang="ko-KR" dirty="0" smtClean="0"/>
+              <a:t>Post</a:t>
+            </a:r>
+          </a:p>
+          <a:p>
+            <a:pPr algn="ctr"/>
+            <a:r>
+              <a:rPr lang="en-US" altLang="ko-KR" dirty="0" smtClean="0"/>
+              <a:t>start</a:t>
+            </a:r>
+            <a:endParaRPr lang="en-US" dirty="0"/>
+          </a:p>
+        </p:txBody>
+      </p:sp>
+      <p:sp>
+        <p:nvSpPr>
+          <p:cNvPr id="18" name="Oval 17"/>
+          <p:cNvSpPr/>
+          <p:nvPr/>
+        </p:nvSpPr>
+        <p:spPr>
+          <a:xfrm>
+            <a:off x="8388567" y="3254139"/>
+            <a:ext cx="1111295" cy="1041722"/>
+          </a:xfrm>
+          <a:prstGeom prst="ellipse">
+            <a:avLst/>
+          </a:prstGeom>
+          <a:ln>
+            <a:solidFill>
+              <a:srgbClr val="000000"/>
+            </a:solidFill>
+          </a:ln>
+        </p:spPr>
+        <p:style>
+          <a:lnRef idx="1">
+            <a:schemeClr val="accent1"/>
+          </a:lnRef>
+          <a:fillRef idx="2">
+            <a:schemeClr val="accent1"/>
+          </a:fillRef>
+          <a:effectRef idx="1">
+            <a:schemeClr val="accent1"/>
+          </a:effectRef>
+          <a:fontRef idx="minor">
+            <a:schemeClr val="dk1"/>
+          </a:fontRef>
+        </p:style>
+        <p:txBody>
+          <a:bodyPr rtlCol="0" anchor="ctr"/>
+          <a:lstStyle/>
+          <a:p>
+            <a:pPr algn="ctr"/>
+            <a:r>
+              <a:rPr lang="en-US" altLang="ko-KR" dirty="0" smtClean="0"/>
+              <a:t>Pre</a:t>
+            </a:r>
+          </a:p>
+          <a:p>
+            <a:pPr algn="ctr"/>
+            <a:r>
+              <a:rPr lang="en-US" altLang="ko-KR" dirty="0" smtClean="0"/>
+              <a:t>stop</a:t>
+            </a:r>
+            <a:endParaRPr lang="en-US" dirty="0"/>
+          </a:p>
+        </p:txBody>
+      </p:sp>
+      <p:cxnSp>
+        <p:nvCxnSpPr>
+          <p:cNvPr id="20" name="Straight Arrow Connector 19"/>
+          <p:cNvCxnSpPr>
+            <a:stCxn id="17" idx="0"/>
+          </p:cNvCxnSpPr>
+          <p:nvPr/>
+        </p:nvCxnSpPr>
+        <p:spPr>
+          <a:xfrm flipH="1" flipV="1">
+            <a:off x="7342486" y="2927758"/>
+            <a:ext cx="1" cy="326381"/>
+          </a:xfrm>
+          <a:prstGeom prst="straightConnector1">
+            <a:avLst/>
+          </a:prstGeom>
+          <a:ln>
+            <a:solidFill>
+              <a:srgbClr val="000000"/>
+            </a:solidFill>
+            <a:tailEnd type="arrow"/>
+          </a:ln>
+        </p:spPr>
+        <p:style>
+          <a:lnRef idx="2">
+            <a:schemeClr val="accent1"/>
+          </a:lnRef>
           <a:fillRef idx="0">
             <a:schemeClr val="accent1"/>
           </a:fillRef>
-          <a:effectRef idx="0">
+          <a:effectRef idx="1">
             <a:schemeClr val="accent1"/>
           </a:effectRef>
           <a:fontRef idx="minor">
@@ -9801,669 +10134,46 @@
       </p:cxnSp>
       <p:cxnSp>
         <p:nvCxnSpPr>
-          <p:cNvPr id="6" name="Straight Arrow Connector 5"/>
-          <p:cNvCxnSpPr/>
+          <p:cNvPr id="21" name="Straight Arrow Connector 20"/>
+          <p:cNvCxnSpPr>
+            <a:endCxn id="18" idx="0"/>
+          </p:cNvCxnSpPr>
           <p:nvPr/>
         </p:nvCxnSpPr>
         <p:spPr>
-          <a:xfrm flipV="1">
-            <a:off x="4460360" y="1446028"/>
-            <a:ext cx="2892054" cy="10632"/>
+          <a:xfrm>
+            <a:off x="8944215" y="2927757"/>
+            <a:ext cx="0" cy="326382"/>
           </a:xfrm>
           <a:prstGeom prst="straightConnector1">
             <a:avLst/>
           </a:prstGeom>
-          <a:ln w="12700">
-            <a:solidFill>
-              <a:schemeClr val="tx1">
-                <a:lumMod val="95000"/>
-                <a:lumOff val="5000"/>
-              </a:schemeClr>
-            </a:solidFill>
-            <a:headEnd type="oval" w="med" len="med"/>
-            <a:tailEnd type="triangle" w="med" len="med"/>
-          </a:ln>
-        </p:spPr>
-        <p:style>
-          <a:lnRef idx="1">
-            <a:schemeClr val="accent1"/>
-          </a:lnRef>
-          <a:fillRef idx="0">
-            <a:schemeClr val="accent1"/>
-          </a:fillRef>
-          <a:effectRef idx="0">
-            <a:schemeClr val="accent1"/>
-          </a:effectRef>
-          <a:fontRef idx="minor">
-            <a:schemeClr val="tx1"/>
-          </a:fontRef>
-        </p:style>
-      </p:cxnSp>
-      <p:cxnSp>
-        <p:nvCxnSpPr>
-          <p:cNvPr id="7" name="Straight Arrow Connector 6"/>
-          <p:cNvCxnSpPr/>
-          <p:nvPr/>
-        </p:nvCxnSpPr>
-        <p:spPr>
-          <a:xfrm>
-            <a:off x="7953156" y="1446028"/>
-            <a:ext cx="3413049" cy="0"/>
-          </a:xfrm>
-          <a:prstGeom prst="straightConnector1">
-            <a:avLst/>
-          </a:prstGeom>
-          <a:ln w="12700">
-            <a:solidFill>
-              <a:schemeClr val="tx1">
-                <a:lumMod val="95000"/>
-                <a:lumOff val="5000"/>
-              </a:schemeClr>
-            </a:solidFill>
-            <a:headEnd type="oval" w="med" len="med"/>
-            <a:tailEnd type="triangle" w="med" len="med"/>
-          </a:ln>
-        </p:spPr>
-        <p:style>
-          <a:lnRef idx="1">
-            <a:schemeClr val="accent1"/>
-          </a:lnRef>
-          <a:fillRef idx="0">
-            <a:schemeClr val="accent1"/>
-          </a:fillRef>
-          <a:effectRef idx="0">
-            <a:schemeClr val="accent1"/>
-          </a:effectRef>
-          <a:fontRef idx="minor">
-            <a:schemeClr val="tx1"/>
-          </a:fontRef>
-        </p:style>
-      </p:cxnSp>
-      <p:sp>
-        <p:nvSpPr>
-          <p:cNvPr id="8" name="TextBox 7"/>
-          <p:cNvSpPr txBox="1"/>
-          <p:nvPr/>
-        </p:nvSpPr>
-        <p:spPr>
-          <a:xfrm>
-            <a:off x="786810" y="1941027"/>
-            <a:ext cx="3476846" cy="3908762"/>
-          </a:xfrm>
-          <a:prstGeom prst="rect">
-            <a:avLst/>
-          </a:prstGeom>
-          <a:noFill/>
-        </p:spPr>
-        <p:txBody>
-          <a:bodyPr wrap="square" rtlCol="0">
-            <a:spAutoFit/>
-          </a:bodyPr>
-          <a:lstStyle/>
-          <a:p>
-            <a:pPr marL="514350" indent="-514350">
-              <a:buFont typeface="+mj-lt"/>
-              <a:buAutoNum type="arabicPeriod"/>
-            </a:pPr>
-            <a:r>
-              <a:rPr lang="en-US" sz="1600" b="1" dirty="0"/>
-              <a:t>Kubernetes </a:t>
-            </a:r>
-            <a:r>
-              <a:rPr lang="en-US" sz="1600" b="1" dirty="0" smtClean="0"/>
-              <a:t>cluster Deployment CI/CD including </a:t>
-            </a:r>
-            <a:r>
-              <a:rPr lang="en-US" sz="1600" b="1" dirty="0"/>
-              <a:t>resource(agent) </a:t>
-            </a:r>
-            <a:r>
-              <a:rPr lang="en-US" sz="1600" b="1" dirty="0" smtClean="0"/>
-              <a:t>lifecycle management(adding, moving)</a:t>
-            </a:r>
-            <a:endParaRPr lang="en-US" sz="1600" b="1" dirty="0"/>
-          </a:p>
-          <a:p>
-            <a:pPr marL="514350" indent="-514350">
-              <a:buFont typeface="+mj-lt"/>
-              <a:buAutoNum type="arabicPeriod"/>
-            </a:pPr>
-            <a:r>
-              <a:rPr lang="en-US" sz="1600" b="1" dirty="0" smtClean="0"/>
-              <a:t>Package manager &amp; Registry      </a:t>
-            </a:r>
-            <a:r>
-              <a:rPr lang="en-US" sz="1600" dirty="0" smtClean="0"/>
-              <a:t>(Helm</a:t>
-            </a:r>
-            <a:r>
-              <a:rPr lang="en-US" sz="1600" dirty="0"/>
-              <a:t>, Private registry(d2hub</a:t>
-            </a:r>
-            <a:r>
-              <a:rPr lang="en-US" sz="1600" dirty="0" smtClean="0"/>
-              <a:t>))</a:t>
-            </a:r>
-          </a:p>
-          <a:p>
-            <a:pPr marL="514350" indent="-514350">
-              <a:buFont typeface="+mj-lt"/>
-              <a:buAutoNum type="arabicPeriod"/>
-            </a:pPr>
-            <a:r>
-              <a:rPr lang="en-US" sz="1600" b="1" dirty="0"/>
-              <a:t>Web </a:t>
-            </a:r>
-            <a:r>
-              <a:rPr lang="en-US" sz="1600" b="1" dirty="0" smtClean="0"/>
-              <a:t>UI</a:t>
-            </a:r>
-          </a:p>
-          <a:p>
-            <a:pPr lvl="1"/>
-            <a:r>
-              <a:rPr lang="en-US" sz="1600" dirty="0" smtClean="0"/>
-              <a:t>(</a:t>
-            </a:r>
-            <a:r>
-              <a:rPr lang="en-US" sz="1600" dirty="0" err="1" smtClean="0"/>
-              <a:t>kube</a:t>
-            </a:r>
-            <a:r>
-              <a:rPr lang="en-US" sz="1600" dirty="0" smtClean="0"/>
-              <a:t> </a:t>
-            </a:r>
-            <a:r>
-              <a:rPr lang="en-US" sz="1600" dirty="0"/>
-              <a:t>dashboard, tenant specific</a:t>
-            </a:r>
-            <a:r>
-              <a:rPr lang="en-US" sz="1600" dirty="0" smtClean="0"/>
-              <a:t>)</a:t>
-            </a:r>
-          </a:p>
-          <a:p>
-            <a:pPr marL="514350" indent="-514350">
-              <a:buFont typeface="+mj-lt"/>
-              <a:buAutoNum type="arabicPeriod"/>
-            </a:pPr>
-            <a:r>
-              <a:rPr lang="en-US" sz="1600" b="1" dirty="0"/>
-              <a:t>Verification </a:t>
-            </a:r>
-            <a:r>
-              <a:rPr lang="en-US" sz="1600" b="1" dirty="0" smtClean="0"/>
-              <a:t>of </a:t>
-            </a:r>
-            <a:r>
-              <a:rPr lang="en-US" sz="1600" b="1" dirty="0"/>
-              <a:t>features </a:t>
-            </a:r>
-            <a:r>
-              <a:rPr lang="en-US" sz="1600" b="1" dirty="0" smtClean="0"/>
-              <a:t>in </a:t>
-            </a:r>
-            <a:r>
-              <a:rPr lang="en-US" sz="1600" b="1" dirty="0"/>
-              <a:t>beta services</a:t>
-            </a:r>
-          </a:p>
-          <a:p>
-            <a:pPr lvl="2"/>
-            <a:r>
-              <a:rPr lang="en-US" sz="1200" dirty="0"/>
-              <a:t>Features: LB, </a:t>
-            </a:r>
-            <a:r>
-              <a:rPr lang="en-US" sz="1200" dirty="0" err="1"/>
-              <a:t>Statefulset</a:t>
-            </a:r>
-            <a:r>
-              <a:rPr lang="en-US" sz="1200" dirty="0"/>
-              <a:t>, </a:t>
-            </a:r>
-            <a:r>
-              <a:rPr lang="en-US" sz="1200" dirty="0" err="1"/>
-              <a:t>Cronjob</a:t>
-            </a:r>
-            <a:r>
-              <a:rPr lang="en-US" sz="1200" dirty="0"/>
-              <a:t>, </a:t>
-            </a:r>
-          </a:p>
-          <a:p>
-            <a:pPr lvl="2"/>
-            <a:r>
-              <a:rPr lang="en-US" sz="1200" dirty="0"/>
-              <a:t>Sizing(scaling, manual to autonomous), </a:t>
-            </a:r>
-          </a:p>
-          <a:p>
-            <a:pPr lvl="2"/>
-            <a:r>
-              <a:rPr lang="en-US" sz="1200" dirty="0"/>
-              <a:t>Reuse helm chart supported by </a:t>
-            </a:r>
-            <a:r>
-              <a:rPr lang="en-US" sz="1200" dirty="0" smtClean="0"/>
-              <a:t>community</a:t>
-            </a:r>
-          </a:p>
-          <a:p>
-            <a:pPr marL="514350" lvl="1" indent="-514350">
-              <a:buFont typeface="+mj-lt"/>
-              <a:buAutoNum type="arabicPeriod" startAt="5"/>
-            </a:pPr>
-            <a:r>
-              <a:rPr lang="en-US" sz="1600" b="1" dirty="0"/>
-              <a:t>Networking features </a:t>
-            </a:r>
-            <a:endParaRPr lang="en-US" sz="1600" b="1" dirty="0" smtClean="0"/>
-          </a:p>
-          <a:p>
-            <a:pPr marL="914400" lvl="3"/>
-            <a:r>
-              <a:rPr lang="en-US" sz="1200" dirty="0" smtClean="0"/>
-              <a:t>(CNM)calico, </a:t>
-            </a:r>
-            <a:r>
-              <a:rPr lang="en-US" sz="1200" dirty="0" err="1" smtClean="0"/>
-              <a:t>kube</a:t>
-            </a:r>
-            <a:r>
-              <a:rPr lang="en-US" sz="1200" dirty="0" smtClean="0"/>
-              <a:t>-router</a:t>
-            </a:r>
-            <a:endParaRPr lang="en-US" sz="1200" dirty="0"/>
-          </a:p>
-        </p:txBody>
-      </p:sp>
-      <p:sp>
-        <p:nvSpPr>
-          <p:cNvPr id="10" name="Rectangle 9"/>
-          <p:cNvSpPr/>
-          <p:nvPr/>
-        </p:nvSpPr>
-        <p:spPr>
-          <a:xfrm>
-            <a:off x="4460360" y="1944171"/>
-            <a:ext cx="2892054" cy="2246769"/>
-          </a:xfrm>
-          <a:prstGeom prst="rect">
-            <a:avLst/>
-          </a:prstGeom>
-        </p:spPr>
-        <p:txBody>
-          <a:bodyPr wrap="square">
-            <a:spAutoFit/>
-          </a:bodyPr>
-          <a:lstStyle/>
-          <a:p>
-            <a:pPr marL="514350" indent="-514350">
-              <a:buFont typeface="+mj-lt"/>
-              <a:buAutoNum type="arabicPeriod"/>
-            </a:pPr>
-            <a:r>
-              <a:rPr lang="en-US" sz="1600" b="1" dirty="0"/>
-              <a:t>Storage management</a:t>
-            </a:r>
-          </a:p>
-          <a:p>
-            <a:pPr marL="514350" indent="-514350">
-              <a:buFont typeface="+mj-lt"/>
-              <a:buAutoNum type="arabicPeriod"/>
-            </a:pPr>
-            <a:r>
-              <a:rPr lang="en-US" sz="1600" b="1" dirty="0" smtClean="0"/>
-              <a:t>CI/CD</a:t>
-            </a:r>
-          </a:p>
-          <a:p>
-            <a:r>
-              <a:rPr lang="en-US" sz="1600" b="1" dirty="0"/>
-              <a:t> </a:t>
-            </a:r>
-            <a:r>
-              <a:rPr lang="en-US" sz="1600" b="1" dirty="0" smtClean="0"/>
-              <a:t>          Pipelining</a:t>
-            </a:r>
-          </a:p>
-          <a:p>
-            <a:r>
-              <a:rPr lang="en-US" sz="1600" b="1" dirty="0"/>
-              <a:t> </a:t>
-            </a:r>
-            <a:r>
-              <a:rPr lang="en-US" sz="1600" b="1" dirty="0" smtClean="0"/>
-              <a:t>          (Dev-&gt;Stg-&gt;</a:t>
-            </a:r>
-            <a:r>
-              <a:rPr lang="en-US" sz="1600" b="1" dirty="0" err="1" smtClean="0"/>
-              <a:t>Prd</a:t>
-            </a:r>
-            <a:r>
-              <a:rPr lang="en-US" sz="1600" b="1" dirty="0" smtClean="0"/>
-              <a:t>)</a:t>
-            </a:r>
-          </a:p>
-          <a:p>
-            <a:pPr marL="514350" indent="-514350">
-              <a:buFont typeface="+mj-lt"/>
-              <a:buAutoNum type="arabicPeriod"/>
-            </a:pPr>
-            <a:endParaRPr lang="en-US" sz="1600" b="1" dirty="0"/>
-          </a:p>
-          <a:p>
-            <a:pPr marL="514350" indent="-514350">
-              <a:buFont typeface="+mj-lt"/>
-              <a:buAutoNum type="arabicPeriod"/>
-            </a:pPr>
-            <a:endParaRPr lang="en-US" sz="1600" b="1" dirty="0" smtClean="0"/>
-          </a:p>
-          <a:p>
-            <a:pPr marL="514350" indent="-514350">
-              <a:buFont typeface="+mj-lt"/>
-              <a:buAutoNum type="arabicPeriod"/>
-            </a:pPr>
-            <a:endParaRPr lang="en-US" sz="1600" b="1" dirty="0"/>
-          </a:p>
-          <a:p>
-            <a:pPr marL="514350" indent="-514350">
-              <a:buFont typeface="+mj-lt"/>
-              <a:buAutoNum type="arabicPeriod" startAt="3"/>
-            </a:pPr>
-            <a:r>
-              <a:rPr lang="en-US" sz="1600" b="1" dirty="0" smtClean="0"/>
-              <a:t>User Interface/tenant</a:t>
-            </a:r>
-          </a:p>
-          <a:p>
-            <a:pPr lvl="2"/>
-            <a:r>
-              <a:rPr lang="en-US" sz="1200" dirty="0" smtClean="0"/>
-              <a:t>UI Developing</a:t>
-            </a:r>
-            <a:endParaRPr lang="en-US" sz="1200" dirty="0"/>
-          </a:p>
-        </p:txBody>
-      </p:sp>
-      <p:sp>
-        <p:nvSpPr>
-          <p:cNvPr id="12" name="Rectangle 11"/>
-          <p:cNvSpPr/>
-          <p:nvPr/>
-        </p:nvSpPr>
-        <p:spPr>
-          <a:xfrm>
-            <a:off x="7953156" y="1941027"/>
-            <a:ext cx="3657598" cy="1246495"/>
-          </a:xfrm>
-          <a:prstGeom prst="rect">
-            <a:avLst/>
-          </a:prstGeom>
-        </p:spPr>
-        <p:txBody>
-          <a:bodyPr wrap="square">
-            <a:spAutoFit/>
-          </a:bodyPr>
-          <a:lstStyle/>
-          <a:p>
-            <a:pPr marL="514350" indent="-514350">
-              <a:buFont typeface="+mj-lt"/>
-              <a:buAutoNum type="arabicPeriod"/>
-            </a:pPr>
-            <a:r>
-              <a:rPr lang="en-US" sz="1600" b="1" dirty="0" smtClean="0"/>
-              <a:t>Service Migration</a:t>
-            </a:r>
-          </a:p>
-          <a:p>
-            <a:pPr lvl="1"/>
-            <a:r>
-              <a:rPr lang="en-US" sz="1600" b="1" dirty="0" smtClean="0"/>
-              <a:t>(DKOS V#1(</a:t>
-            </a:r>
-            <a:r>
-              <a:rPr lang="en-US" sz="1600" b="1" dirty="0" err="1"/>
-              <a:t>M</a:t>
-            </a:r>
-            <a:r>
-              <a:rPr lang="en-US" sz="1600" b="1" dirty="0" err="1" smtClean="0"/>
-              <a:t>esos</a:t>
-            </a:r>
-            <a:r>
-              <a:rPr lang="en-US" sz="1600" b="1" dirty="0" smtClean="0"/>
-              <a:t>) -&gt; V#2(K8S)) </a:t>
-            </a:r>
-          </a:p>
-          <a:p>
-            <a:pPr lvl="1"/>
-            <a:r>
-              <a:rPr lang="en-US" sz="1600" b="1" dirty="0" smtClean="0"/>
-              <a:t>H/W </a:t>
-            </a:r>
-            <a:r>
-              <a:rPr lang="en-US" sz="1600" b="1" dirty="0"/>
-              <a:t>spec design, spec define</a:t>
-            </a:r>
-          </a:p>
-          <a:p>
-            <a:pPr marL="514350" indent="-514350">
-              <a:buFont typeface="+mj-lt"/>
-              <a:buAutoNum type="arabicPeriod"/>
-            </a:pPr>
-            <a:r>
-              <a:rPr lang="en-US" sz="1600" b="1" dirty="0"/>
-              <a:t>Knowledge </a:t>
-            </a:r>
-            <a:r>
-              <a:rPr lang="en-US" sz="1600" b="1" dirty="0" err="1"/>
-              <a:t>tranfer</a:t>
-            </a:r>
-            <a:r>
-              <a:rPr lang="en-US" sz="1600" b="1" dirty="0"/>
-              <a:t> to operator</a:t>
-            </a:r>
-          </a:p>
-          <a:p>
-            <a:pPr lvl="2"/>
-            <a:r>
-              <a:rPr lang="en-US" sz="1100" dirty="0"/>
-              <a:t>Runbook</a:t>
-            </a:r>
-          </a:p>
-        </p:txBody>
-      </p:sp>
-      <p:sp>
-        <p:nvSpPr>
-          <p:cNvPr id="14" name="Rectangle 13"/>
-          <p:cNvSpPr/>
-          <p:nvPr/>
-        </p:nvSpPr>
-        <p:spPr>
-          <a:xfrm>
-            <a:off x="786809" y="6027651"/>
-            <a:ext cx="7272669" cy="338554"/>
-          </a:xfrm>
-          <a:prstGeom prst="rect">
-            <a:avLst/>
-          </a:prstGeom>
-          <a:solidFill>
-            <a:schemeClr val="bg1">
-              <a:lumMod val="95000"/>
-            </a:schemeClr>
-          </a:solidFill>
           <a:ln>
             <a:solidFill>
-              <a:schemeClr val="bg1">
-                <a:lumMod val="65000"/>
-              </a:schemeClr>
+              <a:srgbClr val="000000"/>
             </a:solidFill>
-          </a:ln>
-        </p:spPr>
-        <p:txBody>
-          <a:bodyPr wrap="square">
-            <a:spAutoFit/>
-          </a:bodyPr>
-          <a:lstStyle/>
-          <a:p>
-            <a:r>
-              <a:rPr lang="en-US" sz="1600" b="1" i="1" dirty="0" smtClean="0"/>
-              <a:t>Phase #1 ~ 2#.  </a:t>
-            </a:r>
-            <a:r>
-              <a:rPr lang="en-US" sz="1600" b="1" i="1" u="sng" dirty="0" smtClean="0"/>
-              <a:t>Security </a:t>
-            </a:r>
-            <a:r>
-              <a:rPr lang="en-US" sz="1600" b="1" i="1" u="sng" dirty="0"/>
-              <a:t>&amp; Tenant management. (connect to Keystone)</a:t>
-            </a:r>
-          </a:p>
-        </p:txBody>
-      </p:sp>
-      <p:sp>
-        <p:nvSpPr>
-          <p:cNvPr id="16" name="TextBox 15"/>
-          <p:cNvSpPr txBox="1"/>
-          <p:nvPr/>
-        </p:nvSpPr>
-        <p:spPr>
-          <a:xfrm flipH="1">
-            <a:off x="1073888" y="1087328"/>
-            <a:ext cx="2559789" cy="369332"/>
-          </a:xfrm>
-          <a:prstGeom prst="rect">
-            <a:avLst/>
-          </a:prstGeom>
-          <a:noFill/>
-        </p:spPr>
-        <p:txBody>
-          <a:bodyPr wrap="square" rtlCol="0">
-            <a:spAutoFit/>
-          </a:bodyPr>
-          <a:lstStyle/>
-          <a:p>
-            <a:pPr algn="ctr"/>
-            <a:r>
-              <a:rPr lang="en-US" b="1" i="1" dirty="0" smtClean="0"/>
-              <a:t>phase #1. (’17.12 ~ ‘18.2)</a:t>
-            </a:r>
-            <a:endParaRPr lang="en-US" b="1" i="1" dirty="0"/>
-          </a:p>
-        </p:txBody>
-      </p:sp>
-      <p:sp>
-        <p:nvSpPr>
-          <p:cNvPr id="17" name="TextBox 16"/>
-          <p:cNvSpPr txBox="1"/>
-          <p:nvPr/>
-        </p:nvSpPr>
-        <p:spPr>
-          <a:xfrm flipH="1">
-            <a:off x="4686301" y="1076696"/>
-            <a:ext cx="2440172" cy="369332"/>
-          </a:xfrm>
-          <a:prstGeom prst="rect">
-            <a:avLst/>
-          </a:prstGeom>
-          <a:noFill/>
-        </p:spPr>
-        <p:txBody>
-          <a:bodyPr wrap="square" rtlCol="0">
-            <a:spAutoFit/>
-          </a:bodyPr>
-          <a:lstStyle/>
-          <a:p>
-            <a:pPr algn="ctr"/>
-            <a:r>
-              <a:rPr lang="en-US" b="1" i="1" dirty="0" smtClean="0"/>
-              <a:t>phase #2. (’18.3 ~ ‘18.4)</a:t>
-            </a:r>
-            <a:endParaRPr lang="en-US" b="1" i="1" dirty="0"/>
-          </a:p>
-        </p:txBody>
-      </p:sp>
-      <p:sp>
-        <p:nvSpPr>
-          <p:cNvPr id="18" name="TextBox 17"/>
-          <p:cNvSpPr txBox="1"/>
-          <p:nvPr/>
-        </p:nvSpPr>
-        <p:spPr>
-          <a:xfrm flipH="1">
-            <a:off x="8333268" y="1076696"/>
-            <a:ext cx="2440172" cy="369332"/>
-          </a:xfrm>
-          <a:prstGeom prst="rect">
-            <a:avLst/>
-          </a:prstGeom>
-          <a:noFill/>
-        </p:spPr>
-        <p:txBody>
-          <a:bodyPr wrap="square" rtlCol="0">
-            <a:spAutoFit/>
-          </a:bodyPr>
-          <a:lstStyle/>
-          <a:p>
-            <a:pPr algn="ctr"/>
-            <a:r>
-              <a:rPr lang="en-US" b="1" i="1" dirty="0" smtClean="0"/>
-              <a:t>phase #3. (’18.5 ~ ‘18.7)</a:t>
-            </a:r>
-            <a:endParaRPr lang="en-US" b="1" i="1" dirty="0"/>
-          </a:p>
-        </p:txBody>
-      </p:sp>
-      <p:sp>
-        <p:nvSpPr>
-          <p:cNvPr id="19" name="Rectangle 18"/>
-          <p:cNvSpPr/>
-          <p:nvPr/>
-        </p:nvSpPr>
-        <p:spPr>
-          <a:xfrm>
-            <a:off x="3633677" y="5576912"/>
-            <a:ext cx="8000998" cy="338554"/>
-          </a:xfrm>
-          <a:prstGeom prst="rect">
-            <a:avLst/>
-          </a:prstGeom>
-          <a:solidFill>
-            <a:schemeClr val="bg1">
-              <a:lumMod val="95000"/>
-            </a:schemeClr>
-          </a:solidFill>
-          <a:ln>
-            <a:solidFill>
-              <a:schemeClr val="bg1">
-                <a:lumMod val="65000"/>
-              </a:schemeClr>
-            </a:solidFill>
-          </a:ln>
-        </p:spPr>
-        <p:txBody>
-          <a:bodyPr wrap="square">
-            <a:spAutoFit/>
-          </a:bodyPr>
-          <a:lstStyle/>
-          <a:p>
-            <a:r>
-              <a:rPr lang="en-US" sz="1600" b="1" i="1" dirty="0" smtClean="0"/>
-              <a:t>Phase #2 ~ #3.  </a:t>
-            </a:r>
-            <a:r>
-              <a:rPr lang="en-US" sz="1600" b="1" i="1" u="sng" dirty="0" smtClean="0"/>
-              <a:t>Kemi Integration</a:t>
-            </a:r>
-            <a:endParaRPr lang="en-US" sz="1600" b="1" i="1" u="sng" dirty="0"/>
-          </a:p>
-        </p:txBody>
-      </p:sp>
+            <a:tailEnd type="arrow"/>
+          </a:ln>
+        </p:spPr>
+        <p:style>
+          <a:lnRef idx="2">
+            <a:schemeClr val="accent1"/>
+          </a:lnRef>
+          <a:fillRef idx="0">
+            <a:schemeClr val="accent1"/>
+          </a:fillRef>
+          <a:effectRef idx="1">
+            <a:schemeClr val="accent1"/>
+          </a:effectRef>
+          <a:fontRef idx="minor">
+            <a:schemeClr val="tx1"/>
+          </a:fontRef>
+        </p:style>
+      </p:cxnSp>
     </p:spTree>
     <p:extLst>
       <p:ext uri="{BB962C8B-B14F-4D97-AF65-F5344CB8AC3E}">
-        <p14:creationId xmlns:p14="http://schemas.microsoft.com/office/powerpoint/2010/main" val="947986676"/>
+        <p14:creationId xmlns:p14="http://schemas.microsoft.com/office/powerpoint/2010/main" val="2489937138"/>
       </p:ext>
     </p:extLst>
   </p:cSld>
@@ -10473,7 +10183,7 @@
   <p:timing>
     <p:tnLst>
       <p:par>
-        <p:cTn id="1" dur="indefinite" restart="never" nodeType="tmRoot"/>
+        <p:cTn xmlns:p14="http://schemas.microsoft.com/office/powerpoint/2010/main" id="1" dur="indefinite" restart="never" nodeType="tmRoot"/>
       </p:par>
     </p:tnLst>
   </p:timing>
@@ -10681,11 +10391,7 @@
           <a:p>
             <a:r>
               <a:rPr lang="en-US" sz="900" dirty="0" smtClean="0"/>
-              <a:t>Rollout </a:t>
-            </a:r>
-            <a:r>
-              <a:rPr lang="en-US" sz="900" dirty="0" smtClean="0"/>
-              <a:t>&amp; Rollback</a:t>
+              <a:t>Rollout &amp; Rollback</a:t>
             </a:r>
           </a:p>
           <a:p>
@@ -11371,9 +11077,9 @@
             <a:avLst/>
           </a:prstGeom>
           <a:noFill/>
-          <a:ln>
+          <a:ln w="19050">
             <a:solidFill>
-              <a:schemeClr val="tx1"/>
+              <a:srgbClr val="C00000"/>
             </a:solidFill>
           </a:ln>
         </p:spPr>
@@ -11399,7 +11105,7 @@
           <a:p>
             <a:pPr algn="ctr"/>
             <a:r>
-              <a:rPr lang="en-US" sz="1400" b="1" i="1" dirty="0" err="1" smtClean="0">
+              <a:rPr lang="en-US" sz="1400" b="1" i="1" dirty="0" err="1">
                 <a:solidFill>
                   <a:schemeClr val="tx1"/>
                 </a:solidFill>
@@ -13372,9 +13078,9 @@
             <a:avLst/>
           </a:prstGeom>
           <a:noFill/>
-          <a:ln>
+          <a:ln w="19050">
             <a:solidFill>
-              <a:schemeClr val="tx1"/>
+              <a:srgbClr val="C00000"/>
             </a:solidFill>
           </a:ln>
         </p:spPr>
@@ -13400,7 +13106,7 @@
           <a:p>
             <a:pPr algn="ctr"/>
             <a:r>
-              <a:rPr lang="en-US" sz="1400" b="1" i="1" dirty="0" smtClean="0">
+              <a:rPr lang="en-US" sz="1400" b="1" i="1" dirty="0">
                 <a:solidFill>
                   <a:schemeClr val="tx1"/>
                 </a:solidFill>
@@ -13411,7 +13117,7 @@
           <a:p>
             <a:pPr algn="ctr"/>
             <a:r>
-              <a:rPr lang="en-US" sz="1400" b="1" i="1" dirty="0" smtClean="0">
+              <a:rPr lang="en-US" sz="1400" b="1" i="1" dirty="0">
                 <a:solidFill>
                   <a:schemeClr val="tx1"/>
                 </a:solidFill>
@@ -17208,9 +16914,9 @@
             <a:avLst/>
           </a:prstGeom>
           <a:noFill/>
-          <a:ln>
+          <a:ln w="19050">
             <a:solidFill>
-              <a:schemeClr val="tx1"/>
+              <a:srgbClr val="C00000"/>
             </a:solidFill>
           </a:ln>
         </p:spPr>
@@ -17236,7 +16942,7 @@
           <a:p>
             <a:pPr algn="ctr"/>
             <a:r>
-              <a:rPr lang="en-US" sz="1400" b="1" i="1" dirty="0" smtClean="0">
+              <a:rPr lang="en-US" sz="1400" b="1" i="1" dirty="0">
                 <a:solidFill>
                   <a:schemeClr val="tx1"/>
                 </a:solidFill>
@@ -17814,7 +17520,775 @@
   <p:timing>
     <p:tnLst>
       <p:par>
-        <p:cTn id="1" dur="indefinite" restart="never" nodeType="tmRoot"/>
+        <p:cTn xmlns:p14="http://schemas.microsoft.com/office/powerpoint/2010/main" id="1" dur="indefinite" restart="never" nodeType="tmRoot"/>
+      </p:par>
+    </p:tnLst>
+  </p:timing>
+</p:sld>
+</file>
+
+<file path=ppt/slides/slide20.xml><?xml version="1.0" encoding="utf-8"?>
+<p:sld xmlns:a="http://schemas.openxmlformats.org/drawingml/2006/main" xmlns:r="http://schemas.openxmlformats.org/officeDocument/2006/relationships" xmlns:p="http://schemas.openxmlformats.org/presentationml/2006/main">
+  <p:cSld>
+    <p:spTree>
+      <p:nvGrpSpPr>
+        <p:cNvPr id="1" name=""/>
+        <p:cNvGrpSpPr/>
+        <p:nvPr/>
+      </p:nvGrpSpPr>
+      <p:grpSpPr>
+        <a:xfrm>
+          <a:off x="0" y="0"/>
+          <a:ext cx="0" cy="0"/>
+          <a:chOff x="0" y="0"/>
+          <a:chExt cx="0" cy="0"/>
+        </a:xfrm>
+      </p:grpSpPr>
+      <p:sp>
+        <p:nvSpPr>
+          <p:cNvPr id="5" name="TextBox 4"/>
+          <p:cNvSpPr txBox="1"/>
+          <p:nvPr/>
+        </p:nvSpPr>
+        <p:spPr>
+          <a:xfrm>
+            <a:off x="182364" y="131673"/>
+            <a:ext cx="11817957" cy="461665"/>
+          </a:xfrm>
+          <a:prstGeom prst="rect">
+            <a:avLst/>
+          </a:prstGeom>
+          <a:noFill/>
+        </p:spPr>
+        <p:txBody>
+          <a:bodyPr wrap="square" rtlCol="0">
+            <a:spAutoFit/>
+          </a:bodyPr>
+          <a:lstStyle/>
+          <a:p>
+            <a:r>
+              <a:rPr lang="en-US" sz="2400" b="1" dirty="0" smtClean="0"/>
+              <a:t>Scope &amp; Timeline</a:t>
+            </a:r>
+            <a:endParaRPr lang="en-US" sz="2400" b="1" dirty="0"/>
+          </a:p>
+        </p:txBody>
+      </p:sp>
+      <p:cxnSp>
+        <p:nvCxnSpPr>
+          <p:cNvPr id="4" name="Straight Arrow Connector 3"/>
+          <p:cNvCxnSpPr/>
+          <p:nvPr/>
+        </p:nvCxnSpPr>
+        <p:spPr>
+          <a:xfrm>
+            <a:off x="786810" y="1446028"/>
+            <a:ext cx="3072809" cy="0"/>
+          </a:xfrm>
+          <a:prstGeom prst="straightConnector1">
+            <a:avLst/>
+          </a:prstGeom>
+          <a:ln w="12700">
+            <a:solidFill>
+              <a:schemeClr val="tx1">
+                <a:lumMod val="95000"/>
+                <a:lumOff val="5000"/>
+              </a:schemeClr>
+            </a:solidFill>
+            <a:headEnd type="oval" w="med" len="med"/>
+            <a:tailEnd type="triangle" w="med" len="med"/>
+          </a:ln>
+        </p:spPr>
+        <p:style>
+          <a:lnRef idx="1">
+            <a:schemeClr val="accent1"/>
+          </a:lnRef>
+          <a:fillRef idx="0">
+            <a:schemeClr val="accent1"/>
+          </a:fillRef>
+          <a:effectRef idx="0">
+            <a:schemeClr val="accent1"/>
+          </a:effectRef>
+          <a:fontRef idx="minor">
+            <a:schemeClr val="tx1"/>
+          </a:fontRef>
+        </p:style>
+      </p:cxnSp>
+      <p:cxnSp>
+        <p:nvCxnSpPr>
+          <p:cNvPr id="6" name="Straight Arrow Connector 5"/>
+          <p:cNvCxnSpPr/>
+          <p:nvPr/>
+        </p:nvCxnSpPr>
+        <p:spPr>
+          <a:xfrm flipV="1">
+            <a:off x="4460360" y="1446028"/>
+            <a:ext cx="2892054" cy="10632"/>
+          </a:xfrm>
+          <a:prstGeom prst="straightConnector1">
+            <a:avLst/>
+          </a:prstGeom>
+          <a:ln w="12700">
+            <a:solidFill>
+              <a:schemeClr val="tx1">
+                <a:lumMod val="95000"/>
+                <a:lumOff val="5000"/>
+              </a:schemeClr>
+            </a:solidFill>
+            <a:headEnd type="oval" w="med" len="med"/>
+            <a:tailEnd type="triangle" w="med" len="med"/>
+          </a:ln>
+        </p:spPr>
+        <p:style>
+          <a:lnRef idx="1">
+            <a:schemeClr val="accent1"/>
+          </a:lnRef>
+          <a:fillRef idx="0">
+            <a:schemeClr val="accent1"/>
+          </a:fillRef>
+          <a:effectRef idx="0">
+            <a:schemeClr val="accent1"/>
+          </a:effectRef>
+          <a:fontRef idx="minor">
+            <a:schemeClr val="tx1"/>
+          </a:fontRef>
+        </p:style>
+      </p:cxnSp>
+      <p:cxnSp>
+        <p:nvCxnSpPr>
+          <p:cNvPr id="7" name="Straight Arrow Connector 6"/>
+          <p:cNvCxnSpPr/>
+          <p:nvPr/>
+        </p:nvCxnSpPr>
+        <p:spPr>
+          <a:xfrm>
+            <a:off x="7953156" y="1446028"/>
+            <a:ext cx="3413049" cy="0"/>
+          </a:xfrm>
+          <a:prstGeom prst="straightConnector1">
+            <a:avLst/>
+          </a:prstGeom>
+          <a:ln w="12700">
+            <a:solidFill>
+              <a:schemeClr val="tx1">
+                <a:lumMod val="95000"/>
+                <a:lumOff val="5000"/>
+              </a:schemeClr>
+            </a:solidFill>
+            <a:headEnd type="oval" w="med" len="med"/>
+            <a:tailEnd type="triangle" w="med" len="med"/>
+          </a:ln>
+        </p:spPr>
+        <p:style>
+          <a:lnRef idx="1">
+            <a:schemeClr val="accent1"/>
+          </a:lnRef>
+          <a:fillRef idx="0">
+            <a:schemeClr val="accent1"/>
+          </a:fillRef>
+          <a:effectRef idx="0">
+            <a:schemeClr val="accent1"/>
+          </a:effectRef>
+          <a:fontRef idx="minor">
+            <a:schemeClr val="tx1"/>
+          </a:fontRef>
+        </p:style>
+      </p:cxnSp>
+      <p:sp>
+        <p:nvSpPr>
+          <p:cNvPr id="8" name="TextBox 7"/>
+          <p:cNvSpPr txBox="1"/>
+          <p:nvPr/>
+        </p:nvSpPr>
+        <p:spPr>
+          <a:xfrm>
+            <a:off x="786810" y="1941027"/>
+            <a:ext cx="3476846" cy="3908762"/>
+          </a:xfrm>
+          <a:prstGeom prst="rect">
+            <a:avLst/>
+          </a:prstGeom>
+          <a:noFill/>
+        </p:spPr>
+        <p:txBody>
+          <a:bodyPr wrap="square" rtlCol="0">
+            <a:spAutoFit/>
+          </a:bodyPr>
+          <a:lstStyle/>
+          <a:p>
+            <a:pPr marL="514350" indent="-514350">
+              <a:buFont typeface="+mj-lt"/>
+              <a:buAutoNum type="arabicPeriod"/>
+            </a:pPr>
+            <a:r>
+              <a:rPr lang="en-US" sz="1600" b="1" dirty="0"/>
+              <a:t>Kubernetes </a:t>
+            </a:r>
+            <a:r>
+              <a:rPr lang="en-US" sz="1600" b="1" dirty="0" smtClean="0"/>
+              <a:t>cluster Deployment CI/CD including </a:t>
+            </a:r>
+            <a:r>
+              <a:rPr lang="en-US" sz="1600" b="1" dirty="0"/>
+              <a:t>resource(agent) </a:t>
+            </a:r>
+            <a:r>
+              <a:rPr lang="en-US" sz="1600" b="1" dirty="0" smtClean="0"/>
+              <a:t>lifecycle management(adding, moving)</a:t>
+            </a:r>
+            <a:endParaRPr lang="en-US" sz="1600" b="1" dirty="0"/>
+          </a:p>
+          <a:p>
+            <a:pPr marL="514350" indent="-514350">
+              <a:buFont typeface="+mj-lt"/>
+              <a:buAutoNum type="arabicPeriod"/>
+            </a:pPr>
+            <a:r>
+              <a:rPr lang="en-US" sz="1600" b="1" dirty="0" smtClean="0"/>
+              <a:t>Package manager &amp; Registry      </a:t>
+            </a:r>
+            <a:r>
+              <a:rPr lang="en-US" sz="1600" dirty="0" smtClean="0"/>
+              <a:t>(Helm</a:t>
+            </a:r>
+            <a:r>
+              <a:rPr lang="en-US" sz="1600" dirty="0"/>
+              <a:t>, Private registry(d2hub</a:t>
+            </a:r>
+            <a:r>
+              <a:rPr lang="en-US" sz="1600" dirty="0" smtClean="0"/>
+              <a:t>))</a:t>
+            </a:r>
+          </a:p>
+          <a:p>
+            <a:pPr marL="514350" indent="-514350">
+              <a:buFont typeface="+mj-lt"/>
+              <a:buAutoNum type="arabicPeriod"/>
+            </a:pPr>
+            <a:r>
+              <a:rPr lang="en-US" sz="1600" b="1" dirty="0"/>
+              <a:t>Web </a:t>
+            </a:r>
+            <a:r>
+              <a:rPr lang="en-US" sz="1600" b="1" dirty="0" smtClean="0"/>
+              <a:t>UI</a:t>
+            </a:r>
+          </a:p>
+          <a:p>
+            <a:pPr lvl="1"/>
+            <a:r>
+              <a:rPr lang="en-US" sz="1600" dirty="0" smtClean="0"/>
+              <a:t>(</a:t>
+            </a:r>
+            <a:r>
+              <a:rPr lang="en-US" sz="1600" dirty="0" err="1" smtClean="0"/>
+              <a:t>kube</a:t>
+            </a:r>
+            <a:r>
+              <a:rPr lang="en-US" sz="1600" dirty="0" smtClean="0"/>
+              <a:t> </a:t>
+            </a:r>
+            <a:r>
+              <a:rPr lang="en-US" sz="1600" dirty="0"/>
+              <a:t>dashboard, tenant specific</a:t>
+            </a:r>
+            <a:r>
+              <a:rPr lang="en-US" sz="1600" dirty="0" smtClean="0"/>
+              <a:t>)</a:t>
+            </a:r>
+          </a:p>
+          <a:p>
+            <a:pPr marL="514350" indent="-514350">
+              <a:buFont typeface="+mj-lt"/>
+              <a:buAutoNum type="arabicPeriod"/>
+            </a:pPr>
+            <a:r>
+              <a:rPr lang="en-US" sz="1600" b="1" dirty="0"/>
+              <a:t>Verification </a:t>
+            </a:r>
+            <a:r>
+              <a:rPr lang="en-US" sz="1600" b="1" dirty="0" smtClean="0"/>
+              <a:t>of </a:t>
+            </a:r>
+            <a:r>
+              <a:rPr lang="en-US" sz="1600" b="1" dirty="0"/>
+              <a:t>features </a:t>
+            </a:r>
+            <a:r>
+              <a:rPr lang="en-US" sz="1600" b="1" dirty="0" smtClean="0"/>
+              <a:t>in </a:t>
+            </a:r>
+            <a:r>
+              <a:rPr lang="en-US" sz="1600" b="1" dirty="0"/>
+              <a:t>beta services</a:t>
+            </a:r>
+          </a:p>
+          <a:p>
+            <a:pPr lvl="2"/>
+            <a:r>
+              <a:rPr lang="en-US" sz="1200" dirty="0"/>
+              <a:t>Features: LB, </a:t>
+            </a:r>
+            <a:r>
+              <a:rPr lang="en-US" sz="1200" dirty="0" err="1"/>
+              <a:t>Statefulset</a:t>
+            </a:r>
+            <a:r>
+              <a:rPr lang="en-US" sz="1200" dirty="0"/>
+              <a:t>, </a:t>
+            </a:r>
+            <a:r>
+              <a:rPr lang="en-US" sz="1200" dirty="0" err="1"/>
+              <a:t>Cronjob</a:t>
+            </a:r>
+            <a:r>
+              <a:rPr lang="en-US" sz="1200" dirty="0"/>
+              <a:t>, </a:t>
+            </a:r>
+          </a:p>
+          <a:p>
+            <a:pPr lvl="2"/>
+            <a:r>
+              <a:rPr lang="en-US" sz="1200" dirty="0"/>
+              <a:t>Sizing(scaling, manual to autonomous), </a:t>
+            </a:r>
+          </a:p>
+          <a:p>
+            <a:pPr lvl="2"/>
+            <a:r>
+              <a:rPr lang="en-US" sz="1200" dirty="0"/>
+              <a:t>Reuse helm chart supported by </a:t>
+            </a:r>
+            <a:r>
+              <a:rPr lang="en-US" sz="1200" dirty="0" smtClean="0"/>
+              <a:t>community</a:t>
+            </a:r>
+          </a:p>
+          <a:p>
+            <a:pPr marL="514350" lvl="1" indent="-514350">
+              <a:buFont typeface="+mj-lt"/>
+              <a:buAutoNum type="arabicPeriod" startAt="5"/>
+            </a:pPr>
+            <a:r>
+              <a:rPr lang="en-US" sz="1600" b="1" dirty="0"/>
+              <a:t>Networking features </a:t>
+            </a:r>
+            <a:endParaRPr lang="en-US" sz="1600" b="1" dirty="0" smtClean="0"/>
+          </a:p>
+          <a:p>
+            <a:pPr marL="914400" lvl="3"/>
+            <a:r>
+              <a:rPr lang="en-US" sz="1200" dirty="0" smtClean="0"/>
+              <a:t>(CNM)calico, </a:t>
+            </a:r>
+            <a:r>
+              <a:rPr lang="en-US" sz="1200" dirty="0" err="1" smtClean="0"/>
+              <a:t>kube</a:t>
+            </a:r>
+            <a:r>
+              <a:rPr lang="en-US" sz="1200" dirty="0" smtClean="0"/>
+              <a:t>-router</a:t>
+            </a:r>
+            <a:endParaRPr lang="en-US" sz="1200" dirty="0"/>
+          </a:p>
+        </p:txBody>
+      </p:sp>
+      <p:sp>
+        <p:nvSpPr>
+          <p:cNvPr id="10" name="Rectangle 9"/>
+          <p:cNvSpPr/>
+          <p:nvPr/>
+        </p:nvSpPr>
+        <p:spPr>
+          <a:xfrm>
+            <a:off x="4460360" y="1944171"/>
+            <a:ext cx="2892054" cy="2246769"/>
+          </a:xfrm>
+          <a:prstGeom prst="rect">
+            <a:avLst/>
+          </a:prstGeom>
+        </p:spPr>
+        <p:txBody>
+          <a:bodyPr wrap="square">
+            <a:spAutoFit/>
+          </a:bodyPr>
+          <a:lstStyle/>
+          <a:p>
+            <a:pPr marL="514350" indent="-514350">
+              <a:buFont typeface="+mj-lt"/>
+              <a:buAutoNum type="arabicPeriod"/>
+            </a:pPr>
+            <a:r>
+              <a:rPr lang="en-US" sz="1600" b="1" dirty="0"/>
+              <a:t>Storage management</a:t>
+            </a:r>
+          </a:p>
+          <a:p>
+            <a:pPr marL="514350" indent="-514350">
+              <a:buFont typeface="+mj-lt"/>
+              <a:buAutoNum type="arabicPeriod"/>
+            </a:pPr>
+            <a:r>
+              <a:rPr lang="en-US" sz="1600" b="1" dirty="0" smtClean="0"/>
+              <a:t>CI/CD</a:t>
+            </a:r>
+          </a:p>
+          <a:p>
+            <a:r>
+              <a:rPr lang="en-US" sz="1600" b="1" dirty="0"/>
+              <a:t> </a:t>
+            </a:r>
+            <a:r>
+              <a:rPr lang="en-US" sz="1600" b="1" dirty="0" smtClean="0"/>
+              <a:t>          Pipelining</a:t>
+            </a:r>
+          </a:p>
+          <a:p>
+            <a:r>
+              <a:rPr lang="en-US" sz="1600" b="1" dirty="0"/>
+              <a:t> </a:t>
+            </a:r>
+            <a:r>
+              <a:rPr lang="en-US" sz="1600" b="1" dirty="0" smtClean="0"/>
+              <a:t>          (Dev-&gt;Stg-&gt;</a:t>
+            </a:r>
+            <a:r>
+              <a:rPr lang="en-US" sz="1600" b="1" dirty="0" err="1" smtClean="0"/>
+              <a:t>Prd</a:t>
+            </a:r>
+            <a:r>
+              <a:rPr lang="en-US" sz="1600" b="1" dirty="0" smtClean="0"/>
+              <a:t>)</a:t>
+            </a:r>
+          </a:p>
+          <a:p>
+            <a:pPr marL="514350" indent="-514350">
+              <a:buFont typeface="+mj-lt"/>
+              <a:buAutoNum type="arabicPeriod"/>
+            </a:pPr>
+            <a:endParaRPr lang="en-US" sz="1600" b="1" dirty="0"/>
+          </a:p>
+          <a:p>
+            <a:pPr marL="514350" indent="-514350">
+              <a:buFont typeface="+mj-lt"/>
+              <a:buAutoNum type="arabicPeriod"/>
+            </a:pPr>
+            <a:endParaRPr lang="en-US" sz="1600" b="1" dirty="0" smtClean="0"/>
+          </a:p>
+          <a:p>
+            <a:pPr marL="514350" indent="-514350">
+              <a:buFont typeface="+mj-lt"/>
+              <a:buAutoNum type="arabicPeriod"/>
+            </a:pPr>
+            <a:endParaRPr lang="en-US" sz="1600" b="1" dirty="0"/>
+          </a:p>
+          <a:p>
+            <a:pPr marL="514350" indent="-514350">
+              <a:buFont typeface="+mj-lt"/>
+              <a:buAutoNum type="arabicPeriod" startAt="3"/>
+            </a:pPr>
+            <a:r>
+              <a:rPr lang="en-US" sz="1600" b="1" dirty="0" smtClean="0"/>
+              <a:t>User Interface/tenant</a:t>
+            </a:r>
+          </a:p>
+          <a:p>
+            <a:pPr lvl="2"/>
+            <a:r>
+              <a:rPr lang="en-US" sz="1200" dirty="0" smtClean="0"/>
+              <a:t>UI Developing</a:t>
+            </a:r>
+            <a:endParaRPr lang="en-US" sz="1200" dirty="0"/>
+          </a:p>
+        </p:txBody>
+      </p:sp>
+      <p:sp>
+        <p:nvSpPr>
+          <p:cNvPr id="12" name="Rectangle 11"/>
+          <p:cNvSpPr/>
+          <p:nvPr/>
+        </p:nvSpPr>
+        <p:spPr>
+          <a:xfrm>
+            <a:off x="7953156" y="1941027"/>
+            <a:ext cx="3657598" cy="1246495"/>
+          </a:xfrm>
+          <a:prstGeom prst="rect">
+            <a:avLst/>
+          </a:prstGeom>
+        </p:spPr>
+        <p:txBody>
+          <a:bodyPr wrap="square">
+            <a:spAutoFit/>
+          </a:bodyPr>
+          <a:lstStyle/>
+          <a:p>
+            <a:pPr marL="514350" indent="-514350">
+              <a:buFont typeface="+mj-lt"/>
+              <a:buAutoNum type="arabicPeriod"/>
+            </a:pPr>
+            <a:r>
+              <a:rPr lang="en-US" sz="1600" b="1" dirty="0" smtClean="0"/>
+              <a:t>Service Migration</a:t>
+            </a:r>
+          </a:p>
+          <a:p>
+            <a:pPr lvl="1"/>
+            <a:r>
+              <a:rPr lang="en-US" sz="1600" b="1" dirty="0" smtClean="0"/>
+              <a:t>(DKOS V#1(</a:t>
+            </a:r>
+            <a:r>
+              <a:rPr lang="en-US" sz="1600" b="1" dirty="0" err="1"/>
+              <a:t>M</a:t>
+            </a:r>
+            <a:r>
+              <a:rPr lang="en-US" sz="1600" b="1" dirty="0" err="1" smtClean="0"/>
+              <a:t>esos</a:t>
+            </a:r>
+            <a:r>
+              <a:rPr lang="en-US" sz="1600" b="1" dirty="0" smtClean="0"/>
+              <a:t>) -&gt; V#2(K8S)) </a:t>
+            </a:r>
+          </a:p>
+          <a:p>
+            <a:pPr lvl="1"/>
+            <a:r>
+              <a:rPr lang="en-US" sz="1600" b="1" dirty="0" smtClean="0"/>
+              <a:t>H/W </a:t>
+            </a:r>
+            <a:r>
+              <a:rPr lang="en-US" sz="1600" b="1" dirty="0"/>
+              <a:t>spec design, spec define</a:t>
+            </a:r>
+          </a:p>
+          <a:p>
+            <a:pPr marL="514350" indent="-514350">
+              <a:buFont typeface="+mj-lt"/>
+              <a:buAutoNum type="arabicPeriod"/>
+            </a:pPr>
+            <a:r>
+              <a:rPr lang="en-US" sz="1600" b="1" dirty="0"/>
+              <a:t>Knowledge </a:t>
+            </a:r>
+            <a:r>
+              <a:rPr lang="en-US" sz="1600" b="1" dirty="0" err="1"/>
+              <a:t>tranfer</a:t>
+            </a:r>
+            <a:r>
+              <a:rPr lang="en-US" sz="1600" b="1" dirty="0"/>
+              <a:t> to operator</a:t>
+            </a:r>
+          </a:p>
+          <a:p>
+            <a:pPr lvl="2"/>
+            <a:r>
+              <a:rPr lang="en-US" sz="1100" dirty="0"/>
+              <a:t>Runbook</a:t>
+            </a:r>
+          </a:p>
+        </p:txBody>
+      </p:sp>
+      <p:sp>
+        <p:nvSpPr>
+          <p:cNvPr id="14" name="Rectangle 13"/>
+          <p:cNvSpPr/>
+          <p:nvPr/>
+        </p:nvSpPr>
+        <p:spPr>
+          <a:xfrm>
+            <a:off x="786809" y="6027651"/>
+            <a:ext cx="7272669" cy="338554"/>
+          </a:xfrm>
+          <a:prstGeom prst="rect">
+            <a:avLst/>
+          </a:prstGeom>
+          <a:solidFill>
+            <a:schemeClr val="bg1">
+              <a:lumMod val="95000"/>
+            </a:schemeClr>
+          </a:solidFill>
+          <a:ln>
+            <a:solidFill>
+              <a:schemeClr val="bg1">
+                <a:lumMod val="65000"/>
+              </a:schemeClr>
+            </a:solidFill>
+          </a:ln>
+        </p:spPr>
+        <p:txBody>
+          <a:bodyPr wrap="square">
+            <a:spAutoFit/>
+          </a:bodyPr>
+          <a:lstStyle/>
+          <a:p>
+            <a:r>
+              <a:rPr lang="en-US" sz="1600" b="1" i="1" dirty="0" smtClean="0"/>
+              <a:t>Phase #1 ~ 2#.  </a:t>
+            </a:r>
+            <a:r>
+              <a:rPr lang="en-US" sz="1600" b="1" i="1" u="sng" dirty="0" smtClean="0"/>
+              <a:t>Security </a:t>
+            </a:r>
+            <a:r>
+              <a:rPr lang="en-US" sz="1600" b="1" i="1" u="sng" dirty="0"/>
+              <a:t>&amp; Tenant management. (connect to Keystone)</a:t>
+            </a:r>
+          </a:p>
+        </p:txBody>
+      </p:sp>
+      <p:sp>
+        <p:nvSpPr>
+          <p:cNvPr id="16" name="TextBox 15"/>
+          <p:cNvSpPr txBox="1"/>
+          <p:nvPr/>
+        </p:nvSpPr>
+        <p:spPr>
+          <a:xfrm flipH="1">
+            <a:off x="1073888" y="1087328"/>
+            <a:ext cx="2559789" cy="369332"/>
+          </a:xfrm>
+          <a:prstGeom prst="rect">
+            <a:avLst/>
+          </a:prstGeom>
+          <a:noFill/>
+        </p:spPr>
+        <p:txBody>
+          <a:bodyPr wrap="square" rtlCol="0">
+            <a:spAutoFit/>
+          </a:bodyPr>
+          <a:lstStyle/>
+          <a:p>
+            <a:pPr algn="ctr"/>
+            <a:r>
+              <a:rPr lang="en-US" b="1" i="1" dirty="0" smtClean="0"/>
+              <a:t>phase #1. (’17.12 ~ ‘18.2)</a:t>
+            </a:r>
+            <a:endParaRPr lang="en-US" b="1" i="1" dirty="0"/>
+          </a:p>
+        </p:txBody>
+      </p:sp>
+      <p:sp>
+        <p:nvSpPr>
+          <p:cNvPr id="17" name="TextBox 16"/>
+          <p:cNvSpPr txBox="1"/>
+          <p:nvPr/>
+        </p:nvSpPr>
+        <p:spPr>
+          <a:xfrm flipH="1">
+            <a:off x="4686301" y="1076696"/>
+            <a:ext cx="2440172" cy="369332"/>
+          </a:xfrm>
+          <a:prstGeom prst="rect">
+            <a:avLst/>
+          </a:prstGeom>
+          <a:noFill/>
+        </p:spPr>
+        <p:txBody>
+          <a:bodyPr wrap="square" rtlCol="0">
+            <a:spAutoFit/>
+          </a:bodyPr>
+          <a:lstStyle/>
+          <a:p>
+            <a:pPr algn="ctr"/>
+            <a:r>
+              <a:rPr lang="en-US" b="1" i="1" dirty="0" smtClean="0"/>
+              <a:t>phase #2. (’18.3 ~ ‘18.4)</a:t>
+            </a:r>
+            <a:endParaRPr lang="en-US" b="1" i="1" dirty="0"/>
+          </a:p>
+        </p:txBody>
+      </p:sp>
+      <p:sp>
+        <p:nvSpPr>
+          <p:cNvPr id="18" name="TextBox 17"/>
+          <p:cNvSpPr txBox="1"/>
+          <p:nvPr/>
+        </p:nvSpPr>
+        <p:spPr>
+          <a:xfrm flipH="1">
+            <a:off x="8333268" y="1076696"/>
+            <a:ext cx="2440172" cy="369332"/>
+          </a:xfrm>
+          <a:prstGeom prst="rect">
+            <a:avLst/>
+          </a:prstGeom>
+          <a:noFill/>
+        </p:spPr>
+        <p:txBody>
+          <a:bodyPr wrap="square" rtlCol="0">
+            <a:spAutoFit/>
+          </a:bodyPr>
+          <a:lstStyle/>
+          <a:p>
+            <a:pPr algn="ctr"/>
+            <a:r>
+              <a:rPr lang="en-US" b="1" i="1" dirty="0" smtClean="0"/>
+              <a:t>phase #3. (’18.5 ~ ‘18.7)</a:t>
+            </a:r>
+            <a:endParaRPr lang="en-US" b="1" i="1" dirty="0"/>
+          </a:p>
+        </p:txBody>
+      </p:sp>
+      <p:sp>
+        <p:nvSpPr>
+          <p:cNvPr id="19" name="Rectangle 18"/>
+          <p:cNvSpPr/>
+          <p:nvPr/>
+        </p:nvSpPr>
+        <p:spPr>
+          <a:xfrm>
+            <a:off x="3633677" y="5576912"/>
+            <a:ext cx="8000998" cy="338554"/>
+          </a:xfrm>
+          <a:prstGeom prst="rect">
+            <a:avLst/>
+          </a:prstGeom>
+          <a:solidFill>
+            <a:schemeClr val="bg1">
+              <a:lumMod val="95000"/>
+            </a:schemeClr>
+          </a:solidFill>
+          <a:ln>
+            <a:solidFill>
+              <a:schemeClr val="bg1">
+                <a:lumMod val="65000"/>
+              </a:schemeClr>
+            </a:solidFill>
+          </a:ln>
+        </p:spPr>
+        <p:txBody>
+          <a:bodyPr wrap="square">
+            <a:spAutoFit/>
+          </a:bodyPr>
+          <a:lstStyle/>
+          <a:p>
+            <a:r>
+              <a:rPr lang="en-US" sz="1600" b="1" i="1" dirty="0" smtClean="0"/>
+              <a:t>Phase #2 ~ #3.  </a:t>
+            </a:r>
+            <a:r>
+              <a:rPr lang="en-US" sz="1600" b="1" i="1" u="sng" dirty="0" err="1" smtClean="0"/>
+              <a:t>mon_Integration</a:t>
+            </a:r>
+            <a:endParaRPr lang="en-US" sz="1600" b="1" i="1" u="sng" dirty="0"/>
+          </a:p>
+        </p:txBody>
+      </p:sp>
+    </p:spTree>
+    <p:extLst>
+      <p:ext uri="{BB962C8B-B14F-4D97-AF65-F5344CB8AC3E}">
+        <p14:creationId xmlns:p14="http://schemas.microsoft.com/office/powerpoint/2010/main" val="947986676"/>
+      </p:ext>
+    </p:extLst>
+  </p:cSld>
+  <p:clrMapOvr>
+    <a:masterClrMapping/>
+  </p:clrMapOvr>
+  <p:timing>
+    <p:tnLst>
+      <p:par>
+        <p:cTn xmlns:p14="http://schemas.microsoft.com/office/powerpoint/2010/main" id="1" dur="indefinite" restart="never" nodeType="tmRoot"/>
       </p:par>
     </p:tnLst>
   </p:timing>
@@ -18508,7 +18982,7 @@
   <p:timing>
     <p:tnLst>
       <p:par>
-        <p:cTn id="1" dur="indefinite" restart="never" nodeType="tmRoot"/>
+        <p:cTn xmlns:p14="http://schemas.microsoft.com/office/powerpoint/2010/main" id="1" dur="indefinite" restart="never" nodeType="tmRoot"/>
       </p:par>
     </p:tnLst>
   </p:timing>
@@ -19953,7 +20427,7 @@
   <p:timing>
     <p:tnLst>
       <p:par>
-        <p:cTn id="1" dur="indefinite" restart="never" nodeType="tmRoot"/>
+        <p:cTn xmlns:p14="http://schemas.microsoft.com/office/powerpoint/2010/main" id="1" dur="indefinite" restart="never" nodeType="tmRoot"/>
       </p:par>
     </p:tnLst>
   </p:timing>
@@ -20375,7 +20849,7 @@
   <p:timing>
     <p:tnLst>
       <p:par>
-        <p:cTn id="1" dur="indefinite" restart="never" nodeType="tmRoot"/>
+        <p:cTn xmlns:p14="http://schemas.microsoft.com/office/powerpoint/2010/main" id="1" dur="indefinite" restart="never" nodeType="tmRoot"/>
       </p:par>
     </p:tnLst>
   </p:timing>
@@ -22118,7 +22592,7 @@
   <p:timing>
     <p:tnLst>
       <p:par>
-        <p:cTn id="1" dur="indefinite" restart="never" nodeType="tmRoot"/>
+        <p:cTn xmlns:p14="http://schemas.microsoft.com/office/powerpoint/2010/main" id="1" dur="indefinite" restart="never" nodeType="tmRoot"/>
       </p:par>
     </p:tnLst>
   </p:timing>
@@ -24489,7 +24963,7 @@
   <p:timing>
     <p:tnLst>
       <p:par>
-        <p:cTn id="1" dur="indefinite" restart="never" nodeType="tmRoot"/>
+        <p:cTn xmlns:p14="http://schemas.microsoft.com/office/powerpoint/2010/main" id="1" dur="indefinite" restart="never" nodeType="tmRoot"/>
       </p:par>
     </p:tnLst>
   </p:timing>
@@ -24840,7 +25314,7 @@
   <p:timing>
     <p:tnLst>
       <p:par>
-        <p:cTn id="1" dur="indefinite" restart="never" nodeType="tmRoot"/>
+        <p:cTn xmlns:p14="http://schemas.microsoft.com/office/powerpoint/2010/main" id="1" dur="indefinite" restart="never" nodeType="tmRoot"/>
       </p:par>
     </p:tnLst>
   </p:timing>
@@ -25452,7 +25926,7 @@
   <p:timing>
     <p:tnLst>
       <p:par>
-        <p:cTn id="1" dur="indefinite" restart="never" nodeType="tmRoot"/>
+        <p:cTn xmlns:p14="http://schemas.microsoft.com/office/powerpoint/2010/main" id="1" dur="indefinite" restart="never" nodeType="tmRoot"/>
       </p:par>
     </p:tnLst>
   </p:timing>
@@ -25502,7 +25976,7 @@
     </a:clrScheme>
     <a:fontScheme name="Office">
       <a:majorFont>
-        <a:latin typeface="Calibri Light" panose="020F0302020204030204"/>
+        <a:latin typeface="Calibri Light"/>
         <a:ea typeface=""/>
         <a:cs typeface=""/>
         <a:font script="Jpan" typeface="Yu Gothic Light"/>
@@ -25537,7 +26011,7 @@
         <a:font script="Geor" typeface="Sylfaen"/>
       </a:majorFont>
       <a:minorFont>
-        <a:latin typeface="Calibri" panose="020F0502020204030204"/>
+        <a:latin typeface="Calibri"/>
         <a:ea typeface=""/>
         <a:cs typeface=""/>
         <a:font script="Jpan" typeface="Yu Gothic"/>
@@ -25714,7 +26188,7 @@
   <a:extraClrSchemeLst/>
   <a:extLst>
     <a:ext uri="{05A4C25C-085E-4340-85A3-A5531E510DB2}">
-      <thm15:themeFamily xmlns:thm15="http://schemas.microsoft.com/office/thememl/2012/main" name="Office Theme" id="{62F939B6-93AF-4DB8-9C6B-D6C7DFDC589F}" vid="{4A3C46E8-61CC-4603-A589-7422A47A8E4A}"/>
+      <thm15:themeFamily xmlns:thm15="http://schemas.microsoft.com/office/thememl/2012/main" xmlns="" name="Office Theme" id="{62F939B6-93AF-4DB8-9C6B-D6C7DFDC589F}" vid="{4A3C46E8-61CC-4603-A589-7422A47A8E4A}"/>
     </a:ext>
   </a:extLst>
 </a:theme>
@@ -25763,7 +26237,7 @@
     </a:clrScheme>
     <a:fontScheme name="Office">
       <a:majorFont>
-        <a:latin typeface="Calibri Light" panose="020F0302020204030204"/>
+        <a:latin typeface="Calibri Light"/>
         <a:ea typeface=""/>
         <a:cs typeface=""/>
         <a:font script="Jpan" typeface="Yu Gothic Light"/>
@@ -25798,7 +26272,7 @@
         <a:font script="Geor" typeface="Sylfaen"/>
       </a:majorFont>
       <a:minorFont>
-        <a:latin typeface="Calibri" panose="020F0502020204030204"/>
+        <a:latin typeface="Calibri"/>
         <a:ea typeface=""/>
         <a:cs typeface=""/>
         <a:font script="Jpan" typeface="Yu Gothic"/>
@@ -25975,7 +26449,7 @@
   <a:extraClrSchemeLst/>
   <a:extLst>
     <a:ext uri="{05A4C25C-085E-4340-85A3-A5531E510DB2}">
-      <thm15:themeFamily xmlns:thm15="http://schemas.microsoft.com/office/thememl/2012/main" name="Office Theme" id="{62F939B6-93AF-4DB8-9C6B-D6C7DFDC589F}" vid="{4A3C46E8-61CC-4603-A589-7422A47A8E4A}"/>
+      <thm15:themeFamily xmlns:thm15="http://schemas.microsoft.com/office/thememl/2012/main" xmlns="" name="Office Theme" id="{62F939B6-93AF-4DB8-9C6B-D6C7DFDC589F}" vid="{4A3C46E8-61CC-4603-A589-7422A47A8E4A}"/>
     </a:ext>
   </a:extLst>
 </a:theme>
